--- a/20151104835_王旭辉_基于STM32的智能花盆设计与实现/答辩PPT/20151104835-王旭辉-开题答辩PPT.pptx
+++ b/20151104835_王旭辉_基于STM32的智能花盆设计与实现/答辩PPT/20151104835-王旭辉-开题答辩PPT.pptx
@@ -2273,38 +2273,6 @@
           </a:p>
         </p:txBody>
       </p:sp>
-      <p:pic>
-        <p:nvPicPr>
-          <p:cNvPr id="11" name="图片 10">
-            <a:hlinkClick r:id="rId1"/>
-          </p:cNvPr>
-          <p:cNvPicPr>
-            <a:picLocks noChangeAspect="1"/>
-          </p:cNvPicPr>
-          <p:nvPr/>
-        </p:nvPicPr>
-        <p:blipFill>
-          <a:blip r:embed="rId2">
-            <a:extLst>
-              <a:ext uri="{28A0092B-C50C-407E-A947-70E740481C1C}">
-                <a14:useLocalDpi xmlns:a14="http://schemas.microsoft.com/office/drawing/2010/main" val="0"/>
-              </a:ext>
-            </a:extLst>
-          </a:blip>
-          <a:stretch>
-            <a:fillRect/>
-          </a:stretch>
-        </p:blipFill>
-        <p:spPr>
-          <a:xfrm>
-            <a:off x="10435653" y="6528587"/>
-            <a:ext cx="1498452" cy="199794"/>
-          </a:xfrm>
-          <a:prstGeom prst="rect">
-            <a:avLst/>
-          </a:prstGeom>
-        </p:spPr>
-      </p:pic>
       <p:sp>
         <p:nvSpPr>
           <p:cNvPr id="13" name="矩形 12"/>
@@ -2500,38 +2468,6 @@
       </p:grpSpPr>
       <p:pic>
         <p:nvPicPr>
-          <p:cNvPr id="4" name="图片 3">
-            <a:hlinkClick r:id="rId1"/>
-          </p:cNvPr>
-          <p:cNvPicPr>
-            <a:picLocks noChangeAspect="1"/>
-          </p:cNvPicPr>
-          <p:nvPr/>
-        </p:nvPicPr>
-        <p:blipFill>
-          <a:blip r:embed="rId2">
-            <a:extLst>
-              <a:ext uri="{28A0092B-C50C-407E-A947-70E740481C1C}">
-                <a14:useLocalDpi xmlns:a14="http://schemas.microsoft.com/office/drawing/2010/main" val="0"/>
-              </a:ext>
-            </a:extLst>
-          </a:blip>
-          <a:stretch>
-            <a:fillRect/>
-          </a:stretch>
-        </p:blipFill>
-        <p:spPr>
-          <a:xfrm>
-            <a:off x="10435653" y="6528587"/>
-            <a:ext cx="1498452" cy="199794"/>
-          </a:xfrm>
-          <a:prstGeom prst="rect">
-            <a:avLst/>
-          </a:prstGeom>
-        </p:spPr>
-      </p:pic>
-      <p:pic>
-        <p:nvPicPr>
           <p:cNvPr id="6" name="图片 5"/>
           <p:cNvPicPr>
             <a:picLocks noChangeAspect="1"/>
@@ -2539,7 +2475,7 @@
           <p:nvPr/>
         </p:nvPicPr>
         <p:blipFill rotWithShape="1">
-          <a:blip r:embed="rId3"/>
+          <a:blip r:embed="rId1"/>
           <a:srcRect l="68830" t="39363" r="20020" b="39553"/>
           <a:stretch>
             <a:fillRect/>
@@ -2756,38 +2692,6 @@
           </a:p>
         </p:txBody>
       </p:sp>
-      <p:pic>
-        <p:nvPicPr>
-          <p:cNvPr id="6" name="图片 5">
-            <a:hlinkClick r:id="rId1"/>
-          </p:cNvPr>
-          <p:cNvPicPr>
-            <a:picLocks noChangeAspect="1"/>
-          </p:cNvPicPr>
-          <p:nvPr/>
-        </p:nvPicPr>
-        <p:blipFill>
-          <a:blip r:embed="rId2">
-            <a:extLst>
-              <a:ext uri="{28A0092B-C50C-407E-A947-70E740481C1C}">
-                <a14:useLocalDpi xmlns:a14="http://schemas.microsoft.com/office/drawing/2010/main" val="0"/>
-              </a:ext>
-            </a:extLst>
-          </a:blip>
-          <a:stretch>
-            <a:fillRect/>
-          </a:stretch>
-        </p:blipFill>
-        <p:spPr>
-          <a:xfrm>
-            <a:off x="10435653" y="6528587"/>
-            <a:ext cx="1498452" cy="199794"/>
-          </a:xfrm>
-          <a:prstGeom prst="rect">
-            <a:avLst/>
-          </a:prstGeom>
-        </p:spPr>
-      </p:pic>
     </p:spTree>
   </p:cSld>
   <p:clrMapOvr>
@@ -2818,38 +2722,6 @@
       </p:grpSpPr>
       <p:pic>
         <p:nvPicPr>
-          <p:cNvPr id="4" name="图片 3">
-            <a:hlinkClick r:id="rId1"/>
-          </p:cNvPr>
-          <p:cNvPicPr>
-            <a:picLocks noChangeAspect="1"/>
-          </p:cNvPicPr>
-          <p:nvPr/>
-        </p:nvPicPr>
-        <p:blipFill>
-          <a:blip r:embed="rId2">
-            <a:extLst>
-              <a:ext uri="{28A0092B-C50C-407E-A947-70E740481C1C}">
-                <a14:useLocalDpi xmlns:a14="http://schemas.microsoft.com/office/drawing/2010/main" val="0"/>
-              </a:ext>
-            </a:extLst>
-          </a:blip>
-          <a:stretch>
-            <a:fillRect/>
-          </a:stretch>
-        </p:blipFill>
-        <p:spPr>
-          <a:xfrm>
-            <a:off x="10435653" y="6528587"/>
-            <a:ext cx="1498452" cy="199794"/>
-          </a:xfrm>
-          <a:prstGeom prst="rect">
-            <a:avLst/>
-          </a:prstGeom>
-        </p:spPr>
-      </p:pic>
-      <p:pic>
-        <p:nvPicPr>
           <p:cNvPr id="6" name="图片 5"/>
           <p:cNvPicPr>
             <a:picLocks noChangeAspect="1"/>
@@ -2857,7 +2729,7 @@
           <p:nvPr/>
         </p:nvPicPr>
         <p:blipFill rotWithShape="1">
-          <a:blip r:embed="rId3"/>
+          <a:blip r:embed="rId1"/>
           <a:srcRect l="48897"/>
           <a:stretch>
             <a:fillRect/>
@@ -6035,7 +5907,7 @@
           <p:nvPr/>
         </p:nvPicPr>
         <p:blipFill rotWithShape="1">
-          <a:blip r:embed="rId4"/>
+          <a:blip r:embed="rId2"/>
           <a:srcRect l="49574"/>
           <a:stretch>
             <a:fillRect/>
@@ -6218,38 +6090,6 @@
           </a:p>
         </p:txBody>
       </p:sp>
-      <p:pic>
-        <p:nvPicPr>
-          <p:cNvPr id="6" name="图片 5">
-            <a:hlinkClick r:id="rId1"/>
-          </p:cNvPr>
-          <p:cNvPicPr>
-            <a:picLocks noChangeAspect="1"/>
-          </p:cNvPicPr>
-          <p:nvPr/>
-        </p:nvPicPr>
-        <p:blipFill>
-          <a:blip r:embed="rId2">
-            <a:extLst>
-              <a:ext uri="{28A0092B-C50C-407E-A947-70E740481C1C}">
-                <a14:useLocalDpi xmlns:a14="http://schemas.microsoft.com/office/drawing/2010/main" val="0"/>
-              </a:ext>
-            </a:extLst>
-          </a:blip>
-          <a:stretch>
-            <a:fillRect/>
-          </a:stretch>
-        </p:blipFill>
-        <p:spPr>
-          <a:xfrm>
-            <a:off x="10435653" y="6528587"/>
-            <a:ext cx="1498452" cy="199794"/>
-          </a:xfrm>
-          <a:prstGeom prst="rect">
-            <a:avLst/>
-          </a:prstGeom>
-        </p:spPr>
-      </p:pic>
     </p:spTree>
   </p:cSld>
   <p:clrMapOvr>
@@ -6280,38 +6120,6 @@
       </p:grpSpPr>
       <p:pic>
         <p:nvPicPr>
-          <p:cNvPr id="4" name="图片 3">
-            <a:hlinkClick r:id="rId1"/>
-          </p:cNvPr>
-          <p:cNvPicPr>
-            <a:picLocks noChangeAspect="1"/>
-          </p:cNvPicPr>
-          <p:nvPr/>
-        </p:nvPicPr>
-        <p:blipFill>
-          <a:blip r:embed="rId2">
-            <a:extLst>
-              <a:ext uri="{28A0092B-C50C-407E-A947-70E740481C1C}">
-                <a14:useLocalDpi xmlns:a14="http://schemas.microsoft.com/office/drawing/2010/main" val="0"/>
-              </a:ext>
-            </a:extLst>
-          </a:blip>
-          <a:stretch>
-            <a:fillRect/>
-          </a:stretch>
-        </p:blipFill>
-        <p:spPr>
-          <a:xfrm>
-            <a:off x="10435653" y="6528587"/>
-            <a:ext cx="1498452" cy="199794"/>
-          </a:xfrm>
-          <a:prstGeom prst="rect">
-            <a:avLst/>
-          </a:prstGeom>
-        </p:spPr>
-      </p:pic>
-      <p:pic>
-        <p:nvPicPr>
           <p:cNvPr id="5" name="图片 4"/>
           <p:cNvPicPr>
             <a:picLocks noChangeAspect="1"/>
@@ -6319,7 +6127,7 @@
           <p:nvPr/>
         </p:nvPicPr>
         <p:blipFill rotWithShape="1">
-          <a:blip r:embed="rId3"/>
+          <a:blip r:embed="rId1"/>
           <a:srcRect l="54115" t="14479" r="4250" b="12370"/>
           <a:stretch>
             <a:fillRect/>
@@ -6540,38 +6348,6 @@
           <a:chExt cx="0" cy="0"/>
         </a:xfrm>
       </p:grpSpPr>
-      <p:pic>
-        <p:nvPicPr>
-          <p:cNvPr id="4" name="图片 3">
-            <a:hlinkClick r:id="rId1"/>
-          </p:cNvPr>
-          <p:cNvPicPr>
-            <a:picLocks noChangeAspect="1"/>
-          </p:cNvPicPr>
-          <p:nvPr/>
-        </p:nvPicPr>
-        <p:blipFill>
-          <a:blip r:embed="rId2">
-            <a:extLst>
-              <a:ext uri="{28A0092B-C50C-407E-A947-70E740481C1C}">
-                <a14:useLocalDpi xmlns:a14="http://schemas.microsoft.com/office/drawing/2010/main" val="0"/>
-              </a:ext>
-            </a:extLst>
-          </a:blip>
-          <a:stretch>
-            <a:fillRect/>
-          </a:stretch>
-        </p:blipFill>
-        <p:spPr>
-          <a:xfrm>
-            <a:off x="10435653" y="6528587"/>
-            <a:ext cx="1498452" cy="199794"/>
-          </a:xfrm>
-          <a:prstGeom prst="rect">
-            <a:avLst/>
-          </a:prstGeom>
-        </p:spPr>
-      </p:pic>
       <p:graphicFrame>
         <p:nvGraphicFramePr>
           <p:cNvPr id="10" name="表格 9"/>
@@ -8601,38 +8377,6 @@
           </a:p>
         </p:txBody>
       </p:sp>
-      <p:pic>
-        <p:nvPicPr>
-          <p:cNvPr id="11" name="图片 10">
-            <a:hlinkClick r:id="rId1"/>
-          </p:cNvPr>
-          <p:cNvPicPr>
-            <a:picLocks noChangeAspect="1"/>
-          </p:cNvPicPr>
-          <p:nvPr/>
-        </p:nvPicPr>
-        <p:blipFill>
-          <a:blip r:embed="rId2">
-            <a:extLst>
-              <a:ext uri="{28A0092B-C50C-407E-A947-70E740481C1C}">
-                <a14:useLocalDpi xmlns:a14="http://schemas.microsoft.com/office/drawing/2010/main" val="0"/>
-              </a:ext>
-            </a:extLst>
-          </a:blip>
-          <a:stretch>
-            <a:fillRect/>
-          </a:stretch>
-        </p:blipFill>
-        <p:spPr>
-          <a:xfrm>
-            <a:off x="10435653" y="6528587"/>
-            <a:ext cx="1498452" cy="199794"/>
-          </a:xfrm>
-          <a:prstGeom prst="rect">
-            <a:avLst/>
-          </a:prstGeom>
-        </p:spPr>
-      </p:pic>
       <p:sp>
         <p:nvSpPr>
           <p:cNvPr id="13" name="矩形 12"/>
@@ -9727,38 +9471,6 @@
           </a:p>
         </p:txBody>
       </p:sp>
-      <p:pic>
-        <p:nvPicPr>
-          <p:cNvPr id="39" name="图片 38">
-            <a:hlinkClick r:id="rId1"/>
-          </p:cNvPr>
-          <p:cNvPicPr>
-            <a:picLocks noChangeAspect="1"/>
-          </p:cNvPicPr>
-          <p:nvPr/>
-        </p:nvPicPr>
-        <p:blipFill>
-          <a:blip r:embed="rId2">
-            <a:extLst>
-              <a:ext uri="{28A0092B-C50C-407E-A947-70E740481C1C}">
-                <a14:useLocalDpi xmlns:a14="http://schemas.microsoft.com/office/drawing/2010/main" val="0"/>
-              </a:ext>
-            </a:extLst>
-          </a:blip>
-          <a:stretch>
-            <a:fillRect/>
-          </a:stretch>
-        </p:blipFill>
-        <p:spPr>
-          <a:xfrm>
-            <a:off x="10435653" y="6528587"/>
-            <a:ext cx="1498452" cy="199794"/>
-          </a:xfrm>
-          <a:prstGeom prst="rect">
-            <a:avLst/>
-          </a:prstGeom>
-        </p:spPr>
-      </p:pic>
     </p:spTree>
   </p:cSld>
   <p:clrMapOvr>
@@ -9940,38 +9652,6 @@
           </a:p>
         </p:txBody>
       </p:sp>
-      <p:pic>
-        <p:nvPicPr>
-          <p:cNvPr id="6" name="图片 5">
-            <a:hlinkClick r:id="rId1"/>
-          </p:cNvPr>
-          <p:cNvPicPr>
-            <a:picLocks noChangeAspect="1"/>
-          </p:cNvPicPr>
-          <p:nvPr/>
-        </p:nvPicPr>
-        <p:blipFill>
-          <a:blip r:embed="rId2">
-            <a:extLst>
-              <a:ext uri="{28A0092B-C50C-407E-A947-70E740481C1C}">
-                <a14:useLocalDpi xmlns:a14="http://schemas.microsoft.com/office/drawing/2010/main" val="0"/>
-              </a:ext>
-            </a:extLst>
-          </a:blip>
-          <a:stretch>
-            <a:fillRect/>
-          </a:stretch>
-        </p:blipFill>
-        <p:spPr>
-          <a:xfrm>
-            <a:off x="10435653" y="6528587"/>
-            <a:ext cx="1498452" cy="199794"/>
-          </a:xfrm>
-          <a:prstGeom prst="rect">
-            <a:avLst/>
-          </a:prstGeom>
-        </p:spPr>
-      </p:pic>
     </p:spTree>
   </p:cSld>
   <p:clrMapOvr>
@@ -10000,75 +9680,6 @@
           <a:chExt cx="0" cy="0"/>
         </a:xfrm>
       </p:grpSpPr>
-      <p:sp>
-        <p:nvSpPr>
-          <p:cNvPr id="2" name="矩形 1"/>
-          <p:cNvSpPr/>
-          <p:nvPr/>
-        </p:nvSpPr>
-        <p:spPr>
-          <a:xfrm>
-            <a:off x="0" y="60523"/>
-            <a:ext cx="1801495" cy="306705"/>
-          </a:xfrm>
-          <a:prstGeom prst="rect">
-            <a:avLst/>
-          </a:prstGeom>
-        </p:spPr>
-        <p:txBody>
-          <a:bodyPr wrap="none">
-            <a:spAutoFit/>
-          </a:bodyPr>
-          <a:lstStyle/>
-          <a:p>
-            <a:r>
-              <a:rPr lang="en-US" altLang="zh-CN" sz="1400" b="1" dirty="0"/>
-              <a:t>PART </a:t>
-            </a:r>
-            <a:r>
-              <a:rPr lang="en-US" altLang="zh-CN" sz="1400" b="1" dirty="0" smtClean="0"/>
-              <a:t>ONE </a:t>
-            </a:r>
-            <a:r>
-              <a:rPr lang="zh-CN" altLang="en-US" sz="1400" b="1" dirty="0" smtClean="0"/>
-              <a:t>选题研究</a:t>
-            </a:r>
-            <a:endParaRPr lang="zh-CN" altLang="en-US" sz="1400" b="1" dirty="0"/>
-          </a:p>
-        </p:txBody>
-      </p:sp>
-      <p:pic>
-        <p:nvPicPr>
-          <p:cNvPr id="4" name="图片 3">
-            <a:hlinkClick r:id="rId1"/>
-          </p:cNvPr>
-          <p:cNvPicPr>
-            <a:picLocks noChangeAspect="1"/>
-          </p:cNvPicPr>
-          <p:nvPr/>
-        </p:nvPicPr>
-        <p:blipFill>
-          <a:blip r:embed="rId2">
-            <a:extLst>
-              <a:ext uri="{28A0092B-C50C-407E-A947-70E740481C1C}">
-                <a14:useLocalDpi xmlns:a14="http://schemas.microsoft.com/office/drawing/2010/main" val="0"/>
-              </a:ext>
-            </a:extLst>
-          </a:blip>
-          <a:stretch>
-            <a:fillRect/>
-          </a:stretch>
-        </p:blipFill>
-        <p:spPr>
-          <a:xfrm>
-            <a:off x="10435653" y="6528587"/>
-            <a:ext cx="1498452" cy="199794"/>
-          </a:xfrm>
-          <a:prstGeom prst="rect">
-            <a:avLst/>
-          </a:prstGeom>
-        </p:spPr>
-      </p:pic>
       <p:sp>
         <p:nvSpPr>
           <p:cNvPr id="7" name="矩形 6"/>
@@ -10278,38 +9889,6 @@
           </a:p>
         </p:txBody>
       </p:sp>
-      <p:pic>
-        <p:nvPicPr>
-          <p:cNvPr id="6" name="图片 5">
-            <a:hlinkClick r:id="rId1"/>
-          </p:cNvPr>
-          <p:cNvPicPr>
-            <a:picLocks noChangeAspect="1"/>
-          </p:cNvPicPr>
-          <p:nvPr/>
-        </p:nvPicPr>
-        <p:blipFill>
-          <a:blip r:embed="rId2">
-            <a:extLst>
-              <a:ext uri="{28A0092B-C50C-407E-A947-70E740481C1C}">
-                <a14:useLocalDpi xmlns:a14="http://schemas.microsoft.com/office/drawing/2010/main" val="0"/>
-              </a:ext>
-            </a:extLst>
-          </a:blip>
-          <a:stretch>
-            <a:fillRect/>
-          </a:stretch>
-        </p:blipFill>
-        <p:spPr>
-          <a:xfrm>
-            <a:off x="10435653" y="6528587"/>
-            <a:ext cx="1498452" cy="199794"/>
-          </a:xfrm>
-          <a:prstGeom prst="rect">
-            <a:avLst/>
-          </a:prstGeom>
-        </p:spPr>
-      </p:pic>
     </p:spTree>
   </p:cSld>
   <p:clrMapOvr>
@@ -10338,71 +9917,6 @@
           <a:chExt cx="0" cy="0"/>
         </a:xfrm>
       </p:grpSpPr>
-      <p:sp>
-        <p:nvSpPr>
-          <p:cNvPr id="2" name="矩形 1"/>
-          <p:cNvSpPr/>
-          <p:nvPr/>
-        </p:nvSpPr>
-        <p:spPr>
-          <a:xfrm>
-            <a:off x="0" y="60523"/>
-            <a:ext cx="1852295" cy="306705"/>
-          </a:xfrm>
-          <a:prstGeom prst="rect">
-            <a:avLst/>
-          </a:prstGeom>
-        </p:spPr>
-        <p:txBody>
-          <a:bodyPr wrap="none">
-            <a:spAutoFit/>
-          </a:bodyPr>
-          <a:lstStyle/>
-          <a:p>
-            <a:r>
-              <a:rPr lang="en-US" altLang="zh-CN" sz="1400" b="1" dirty="0"/>
-              <a:t>PART TWO </a:t>
-            </a:r>
-            <a:r>
-              <a:rPr lang="zh-CN" altLang="en-US" sz="1400" b="1" dirty="0"/>
-              <a:t>项目功能</a:t>
-            </a:r>
-            <a:endParaRPr lang="zh-CN" altLang="en-US" sz="1400" b="1" dirty="0"/>
-          </a:p>
-        </p:txBody>
-      </p:sp>
-      <p:pic>
-        <p:nvPicPr>
-          <p:cNvPr id="4" name="图片 3">
-            <a:hlinkClick r:id="rId1"/>
-          </p:cNvPr>
-          <p:cNvPicPr>
-            <a:picLocks noChangeAspect="1"/>
-          </p:cNvPicPr>
-          <p:nvPr/>
-        </p:nvPicPr>
-        <p:blipFill>
-          <a:blip r:embed="rId2">
-            <a:extLst>
-              <a:ext uri="{28A0092B-C50C-407E-A947-70E740481C1C}">
-                <a14:useLocalDpi xmlns:a14="http://schemas.microsoft.com/office/drawing/2010/main" val="0"/>
-              </a:ext>
-            </a:extLst>
-          </a:blip>
-          <a:stretch>
-            <a:fillRect/>
-          </a:stretch>
-        </p:blipFill>
-        <p:spPr>
-          <a:xfrm>
-            <a:off x="10435653" y="6528587"/>
-            <a:ext cx="1498452" cy="199794"/>
-          </a:xfrm>
-          <a:prstGeom prst="rect">
-            <a:avLst/>
-          </a:prstGeom>
-        </p:spPr>
-      </p:pic>
       <p:grpSp>
         <p:nvGrpSpPr>
           <p:cNvPr id="13" name="组合 12"/>
@@ -11265,38 +10779,6 @@
           </a:p>
         </p:txBody>
       </p:sp>
-      <p:pic>
-        <p:nvPicPr>
-          <p:cNvPr id="6" name="图片 5">
-            <a:hlinkClick r:id="rId1"/>
-          </p:cNvPr>
-          <p:cNvPicPr>
-            <a:picLocks noChangeAspect="1"/>
-          </p:cNvPicPr>
-          <p:nvPr/>
-        </p:nvPicPr>
-        <p:blipFill>
-          <a:blip r:embed="rId2">
-            <a:extLst>
-              <a:ext uri="{28A0092B-C50C-407E-A947-70E740481C1C}">
-                <a14:useLocalDpi xmlns:a14="http://schemas.microsoft.com/office/drawing/2010/main" val="0"/>
-              </a:ext>
-            </a:extLst>
-          </a:blip>
-          <a:stretch>
-            <a:fillRect/>
-          </a:stretch>
-        </p:blipFill>
-        <p:spPr>
-          <a:xfrm>
-            <a:off x="10435653" y="6528587"/>
-            <a:ext cx="1498452" cy="199794"/>
-          </a:xfrm>
-          <a:prstGeom prst="rect">
-            <a:avLst/>
-          </a:prstGeom>
-        </p:spPr>
-      </p:pic>
     </p:spTree>
   </p:cSld>
   <p:clrMapOvr>
@@ -11325,71 +10807,6 @@
           <a:chExt cx="0" cy="0"/>
         </a:xfrm>
       </p:grpSpPr>
-      <p:sp>
-        <p:nvSpPr>
-          <p:cNvPr id="2" name="矩形 1"/>
-          <p:cNvSpPr/>
-          <p:nvPr/>
-        </p:nvSpPr>
-        <p:spPr>
-          <a:xfrm>
-            <a:off x="0" y="60523"/>
-            <a:ext cx="1978025" cy="306705"/>
-          </a:xfrm>
-          <a:prstGeom prst="rect">
-            <a:avLst/>
-          </a:prstGeom>
-        </p:spPr>
-        <p:txBody>
-          <a:bodyPr wrap="none">
-            <a:spAutoFit/>
-          </a:bodyPr>
-          <a:lstStyle/>
-          <a:p>
-            <a:r>
-              <a:rPr lang="en-US" altLang="zh-CN" sz="1400" b="1" dirty="0" smtClean="0"/>
-              <a:t>PART THREE </a:t>
-            </a:r>
-            <a:r>
-              <a:rPr lang="zh-CN" altLang="en-US" sz="1400" b="1" dirty="0" smtClean="0"/>
-              <a:t>开发工具</a:t>
-            </a:r>
-            <a:endParaRPr lang="zh-CN" altLang="en-US" sz="1400" b="1" dirty="0" smtClean="0"/>
-          </a:p>
-        </p:txBody>
-      </p:sp>
-      <p:pic>
-        <p:nvPicPr>
-          <p:cNvPr id="4" name="图片 3">
-            <a:hlinkClick r:id="rId1"/>
-          </p:cNvPr>
-          <p:cNvPicPr>
-            <a:picLocks noChangeAspect="1"/>
-          </p:cNvPicPr>
-          <p:nvPr/>
-        </p:nvPicPr>
-        <p:blipFill>
-          <a:blip r:embed="rId2">
-            <a:extLst>
-              <a:ext uri="{28A0092B-C50C-407E-A947-70E740481C1C}">
-                <a14:useLocalDpi xmlns:a14="http://schemas.microsoft.com/office/drawing/2010/main" val="0"/>
-              </a:ext>
-            </a:extLst>
-          </a:blip>
-          <a:stretch>
-            <a:fillRect/>
-          </a:stretch>
-        </p:blipFill>
-        <p:spPr>
-          <a:xfrm>
-            <a:off x="10435653" y="6528587"/>
-            <a:ext cx="1498452" cy="199794"/>
-          </a:xfrm>
-          <a:prstGeom prst="rect">
-            <a:avLst/>
-          </a:prstGeom>
-        </p:spPr>
-      </p:pic>
       <p:sp>
         <p:nvSpPr>
           <p:cNvPr id="12" name="矩形 11"/>
@@ -11893,38 +11310,6 @@
           </a:p>
         </p:txBody>
       </p:sp>
-      <p:pic>
-        <p:nvPicPr>
-          <p:cNvPr id="6" name="图片 5">
-            <a:hlinkClick r:id="rId1"/>
-          </p:cNvPr>
-          <p:cNvPicPr>
-            <a:picLocks noChangeAspect="1"/>
-          </p:cNvPicPr>
-          <p:nvPr/>
-        </p:nvPicPr>
-        <p:blipFill>
-          <a:blip r:embed="rId2">
-            <a:extLst>
-              <a:ext uri="{28A0092B-C50C-407E-A947-70E740481C1C}">
-                <a14:useLocalDpi xmlns:a14="http://schemas.microsoft.com/office/drawing/2010/main" val="0"/>
-              </a:ext>
-            </a:extLst>
-          </a:blip>
-          <a:stretch>
-            <a:fillRect/>
-          </a:stretch>
-        </p:blipFill>
-        <p:spPr>
-          <a:xfrm>
-            <a:off x="10435653" y="6528587"/>
-            <a:ext cx="1498452" cy="199794"/>
-          </a:xfrm>
-          <a:prstGeom prst="rect">
-            <a:avLst/>
-          </a:prstGeom>
-        </p:spPr>
-      </p:pic>
     </p:spTree>
   </p:cSld>
   <p:clrMapOvr>
